--- a/slides/dlb-5-conclusion.pptx
+++ b/slides/dlb-5-conclusion.pptx
@@ -11848,55 +11848,6 @@
       </p:sp>
       <p:sp>
         <p:nvSpPr>
-          <p:cNvPr id="8" name="Rectangle: Rounded Corners 7">
-            <a:extLst>
-              <a:ext uri="{FF2B5EF4-FFF2-40B4-BE49-F238E27FC236}">
-                <a16:creationId xmlns:a16="http://schemas.microsoft.com/office/drawing/2014/main" id="{FF69AB22-795C-4D07-89FC-835B9B734FA2}"/>
-              </a:ext>
-            </a:extLst>
-          </p:cNvPr>
-          <p:cNvSpPr/>
-          <p:nvPr/>
-        </p:nvSpPr>
-        <p:spPr>
-          <a:xfrm>
-            <a:off x="291340" y="3181994"/>
-            <a:ext cx="2062263" cy="894944"/>
-          </a:xfrm>
-          <a:prstGeom prst="roundRect">
-            <a:avLst/>
-          </a:prstGeom>
-        </p:spPr>
-        <p:style>
-          <a:lnRef idx="2">
-            <a:schemeClr val="accent4">
-              <a:shade val="50000"/>
-            </a:schemeClr>
-          </a:lnRef>
-          <a:fillRef idx="1">
-            <a:schemeClr val="accent4"/>
-          </a:fillRef>
-          <a:effectRef idx="0">
-            <a:schemeClr val="accent4"/>
-          </a:effectRef>
-          <a:fontRef idx="minor">
-            <a:schemeClr val="lt1"/>
-          </a:fontRef>
-        </p:style>
-        <p:txBody>
-          <a:bodyPr rtlCol="0" anchor="ctr"/>
-          <a:lstStyle/>
-          <a:p>
-            <a:pPr algn="ctr"/>
-            <a:r>
-              <a:rPr lang="en-US" sz="1800" dirty="0"/>
-              <a:t>Discriminative or generative? </a:t>
-            </a:r>
-          </a:p>
-        </p:txBody>
-      </p:sp>
-      <p:sp>
-        <p:nvSpPr>
           <p:cNvPr id="9" name="Rectangle: Rounded Corners 8">
             <a:extLst>
               <a:ext uri="{FF2B5EF4-FFF2-40B4-BE49-F238E27FC236}">
@@ -11909,7 +11860,7 @@
         </p:nvSpPr>
         <p:spPr>
           <a:xfrm>
-            <a:off x="2632660" y="4339272"/>
+            <a:off x="831231" y="3339977"/>
             <a:ext cx="2110204" cy="894944"/>
           </a:xfrm>
           <a:prstGeom prst="roundRect">
@@ -11958,7 +11909,7 @@
         </p:nvSpPr>
         <p:spPr>
           <a:xfrm>
-            <a:off x="5049735" y="2108636"/>
+            <a:off x="3045196" y="2108636"/>
             <a:ext cx="2062263" cy="894944"/>
           </a:xfrm>
           <a:prstGeom prst="roundRect">
@@ -12007,7 +11958,7 @@
         </p:nvSpPr>
         <p:spPr>
           <a:xfrm>
-            <a:off x="7804147" y="3524861"/>
+            <a:off x="5992278" y="3578279"/>
             <a:ext cx="2062263" cy="894944"/>
           </a:xfrm>
           <a:prstGeom prst="roundRect">
@@ -12044,1011 +11995,6 @@
       </p:sp>
       <p:grpSp>
         <p:nvGrpSpPr>
-          <p:cNvPr id="205" name="Group 204">
-            <a:extLst>
-              <a:ext uri="{FF2B5EF4-FFF2-40B4-BE49-F238E27FC236}">
-                <a16:creationId xmlns:a16="http://schemas.microsoft.com/office/drawing/2014/main" id="{DD7D2924-F766-4D19-B29B-4AC21A87547F}"/>
-              </a:ext>
-            </a:extLst>
-          </p:cNvPr>
-          <p:cNvGrpSpPr/>
-          <p:nvPr/>
-        </p:nvGrpSpPr>
-        <p:grpSpPr>
-          <a:xfrm>
-            <a:off x="2638910" y="1448052"/>
-            <a:ext cx="2110206" cy="2315183"/>
-            <a:chOff x="2715986" y="2011770"/>
-            <a:chExt cx="2110206" cy="2315183"/>
-          </a:xfrm>
-        </p:grpSpPr>
-        <p:grpSp>
-          <p:nvGrpSpPr>
-            <p:cNvPr id="202" name="Group 201">
-              <a:extLst>
-                <a:ext uri="{FF2B5EF4-FFF2-40B4-BE49-F238E27FC236}">
-                  <a16:creationId xmlns:a16="http://schemas.microsoft.com/office/drawing/2014/main" id="{FCED551E-6248-4100-8726-D39FA6FA4A6E}"/>
-                </a:ext>
-              </a:extLst>
-            </p:cNvPr>
-            <p:cNvGrpSpPr/>
-            <p:nvPr/>
-          </p:nvGrpSpPr>
-          <p:grpSpPr>
-            <a:xfrm>
-              <a:off x="2850714" y="2413259"/>
-              <a:ext cx="1840749" cy="1771649"/>
-              <a:chOff x="1070031" y="1422933"/>
-              <a:chExt cx="1840749" cy="1771649"/>
-            </a:xfrm>
-          </p:grpSpPr>
-          <p:grpSp>
-            <p:nvGrpSpPr>
-              <p:cNvPr id="193" name="Group 192">
-                <a:extLst>
-                  <a:ext uri="{FF2B5EF4-FFF2-40B4-BE49-F238E27FC236}">
-                    <a16:creationId xmlns:a16="http://schemas.microsoft.com/office/drawing/2014/main" id="{953E77B9-CFEE-418D-B3F9-8C01CE695DF3}"/>
-                  </a:ext>
-                </a:extLst>
-              </p:cNvPr>
-              <p:cNvGrpSpPr/>
-              <p:nvPr/>
-            </p:nvGrpSpPr>
-            <p:grpSpPr>
-              <a:xfrm>
-                <a:off x="1070031" y="1422933"/>
-                <a:ext cx="1840749" cy="955377"/>
-                <a:chOff x="3050148" y="3261221"/>
-                <a:chExt cx="6091704" cy="3161690"/>
-              </a:xfrm>
-            </p:grpSpPr>
-            <p:grpSp>
-              <p:nvGrpSpPr>
-                <p:cNvPr id="194" name="Group 193">
-                  <a:extLst>
-                    <a:ext uri="{FF2B5EF4-FFF2-40B4-BE49-F238E27FC236}">
-                      <a16:creationId xmlns:a16="http://schemas.microsoft.com/office/drawing/2014/main" id="{A6E47BD3-2976-4529-B41B-B2E89DDF4C6A}"/>
-                    </a:ext>
-                  </a:extLst>
-                </p:cNvPr>
-                <p:cNvGrpSpPr/>
-                <p:nvPr/>
-              </p:nvGrpSpPr>
-              <p:grpSpPr>
-                <a:xfrm>
-                  <a:off x="3050148" y="3429003"/>
-                  <a:ext cx="6091704" cy="2919440"/>
-                  <a:chOff x="3050148" y="3429003"/>
-                  <a:chExt cx="6091704" cy="2919440"/>
-                </a:xfrm>
-              </p:grpSpPr>
-              <p:pic>
-                <p:nvPicPr>
-                  <p:cNvPr id="198" name="Picture 197">
-                    <a:extLst>
-                      <a:ext uri="{FF2B5EF4-FFF2-40B4-BE49-F238E27FC236}">
-                        <a16:creationId xmlns:a16="http://schemas.microsoft.com/office/drawing/2014/main" id="{15359FB3-68B4-4CCA-A0F1-9BD9C567E335}"/>
-                      </a:ext>
-                    </a:extLst>
-                  </p:cNvPr>
-                  <p:cNvPicPr>
-                    <a:picLocks noChangeAspect="1"/>
-                  </p:cNvPicPr>
-                  <p:nvPr/>
-                </p:nvPicPr>
-                <p:blipFill rotWithShape="1">
-                  <a:blip r:embed="rId2"/>
-                  <a:srcRect l="15788" r="17792"/>
-                  <a:stretch/>
-                </p:blipFill>
-                <p:spPr>
-                  <a:xfrm>
-                    <a:off x="3050148" y="3429003"/>
-                    <a:ext cx="6091704" cy="2919440"/>
-                  </a:xfrm>
-                  <a:prstGeom prst="rect">
-                    <a:avLst/>
-                  </a:prstGeom>
-                </p:spPr>
-              </p:pic>
-              <p:sp>
-                <p:nvSpPr>
-                  <p:cNvPr id="199" name="Oval 198">
-                    <a:extLst>
-                      <a:ext uri="{FF2B5EF4-FFF2-40B4-BE49-F238E27FC236}">
-                        <a16:creationId xmlns:a16="http://schemas.microsoft.com/office/drawing/2014/main" id="{B77E46CC-D7D4-4CF9-8BD6-B3435F49E60D}"/>
-                      </a:ext>
-                    </a:extLst>
-                  </p:cNvPr>
-                  <p:cNvSpPr/>
-                  <p:nvPr/>
-                </p:nvSpPr>
-                <p:spPr>
-                  <a:xfrm>
-                    <a:off x="5831683" y="4169567"/>
-                    <a:ext cx="164306" cy="164306"/>
-                  </a:xfrm>
-                  <a:prstGeom prst="ellipse">
-                    <a:avLst/>
-                  </a:prstGeom>
-                  <a:solidFill>
-                    <a:srgbClr val="FFEEA6"/>
-                  </a:solidFill>
-                  <a:ln>
-                    <a:noFill/>
-                  </a:ln>
-                </p:spPr>
-                <p:style>
-                  <a:lnRef idx="2">
-                    <a:schemeClr val="accent1">
-                      <a:shade val="50000"/>
-                    </a:schemeClr>
-                  </a:lnRef>
-                  <a:fillRef idx="1">
-                    <a:schemeClr val="accent1"/>
-                  </a:fillRef>
-                  <a:effectRef idx="0">
-                    <a:schemeClr val="accent1"/>
-                  </a:effectRef>
-                  <a:fontRef idx="minor">
-                    <a:schemeClr val="lt1"/>
-                  </a:fontRef>
-                </p:style>
-                <p:txBody>
-                  <a:bodyPr rtlCol="0" anchor="ctr"/>
-                  <a:lstStyle/>
-                  <a:p>
-                    <a:pPr algn="ctr"/>
-                    <a:endParaRPr lang="en-US" sz="500">
-                      <a:solidFill>
-                        <a:schemeClr val="tx1"/>
-                      </a:solidFill>
-                    </a:endParaRPr>
-                  </a:p>
-                </p:txBody>
-              </p:sp>
-              <p:sp>
-                <p:nvSpPr>
-                  <p:cNvPr id="200" name="Oval 199">
-                    <a:extLst>
-                      <a:ext uri="{FF2B5EF4-FFF2-40B4-BE49-F238E27FC236}">
-                        <a16:creationId xmlns:a16="http://schemas.microsoft.com/office/drawing/2014/main" id="{880136E4-1177-464A-BC9B-EAD96CA7480F}"/>
-                      </a:ext>
-                    </a:extLst>
-                  </p:cNvPr>
-                  <p:cNvSpPr/>
-                  <p:nvPr/>
-                </p:nvSpPr>
-                <p:spPr>
-                  <a:xfrm>
-                    <a:off x="5810252" y="5517355"/>
-                    <a:ext cx="164306" cy="164306"/>
-                  </a:xfrm>
-                  <a:prstGeom prst="ellipse">
-                    <a:avLst/>
-                  </a:prstGeom>
-                  <a:solidFill>
-                    <a:srgbClr val="A9E2FF"/>
-                  </a:solidFill>
-                  <a:ln>
-                    <a:noFill/>
-                  </a:ln>
-                </p:spPr>
-                <p:style>
-                  <a:lnRef idx="2">
-                    <a:schemeClr val="accent1">
-                      <a:shade val="50000"/>
-                    </a:schemeClr>
-                  </a:lnRef>
-                  <a:fillRef idx="1">
-                    <a:schemeClr val="accent1"/>
-                  </a:fillRef>
-                  <a:effectRef idx="0">
-                    <a:schemeClr val="accent1"/>
-                  </a:effectRef>
-                  <a:fontRef idx="minor">
-                    <a:schemeClr val="lt1"/>
-                  </a:fontRef>
-                </p:style>
-                <p:txBody>
-                  <a:bodyPr rtlCol="0" anchor="ctr"/>
-                  <a:lstStyle/>
-                  <a:p>
-                    <a:pPr algn="ctr"/>
-                    <a:endParaRPr lang="en-US" sz="500">
-                      <a:solidFill>
-                        <a:schemeClr val="tx1"/>
-                      </a:solidFill>
-                    </a:endParaRPr>
-                  </a:p>
-                </p:txBody>
-              </p:sp>
-            </p:grpSp>
-            <mc:AlternateContent xmlns:mc="http://schemas.openxmlformats.org/markup-compatibility/2006" xmlns:a14="http://schemas.microsoft.com/office/drawing/2010/main">
-              <mc:Choice Requires="a14">
-                <p:sp>
-                  <p:nvSpPr>
-                    <p:cNvPr id="195" name="Rectangle 194">
-                      <a:extLst>
-                        <a:ext uri="{FF2B5EF4-FFF2-40B4-BE49-F238E27FC236}">
-                          <a16:creationId xmlns:a16="http://schemas.microsoft.com/office/drawing/2014/main" id="{573E7E9D-817E-428F-B15B-60EB21DCC668}"/>
-                        </a:ext>
-                      </a:extLst>
-                    </p:cNvPr>
-                    <p:cNvSpPr/>
-                    <p:nvPr/>
-                  </p:nvSpPr>
-                  <p:spPr>
-                    <a:xfrm>
-                      <a:off x="5514765" y="3261221"/>
-                      <a:ext cx="962450" cy="627686"/>
-                    </a:xfrm>
-                    <a:prstGeom prst="rect">
-                      <a:avLst/>
-                    </a:prstGeom>
-                  </p:spPr>
-                  <p:txBody>
-                    <a:bodyPr wrap="none">
-                      <a:spAutoFit/>
-                    </a:bodyPr>
-                    <a:lstStyle/>
-                    <a:p>
-                      <a:pPr/>
-                      <a14:m>
-                        <m:oMathPara xmlns:m="http://schemas.openxmlformats.org/officeDocument/2006/math">
-                          <m:oMathParaPr>
-                            <m:jc m:val="centerGroup"/>
-                          </m:oMathParaPr>
-                          <m:oMath xmlns:m="http://schemas.openxmlformats.org/officeDocument/2006/math">
-                            <m:sSub>
-                              <m:sSubPr>
-                                <m:ctrlPr>
-                                  <a:rPr lang="en-US" sz="800" i="1" smtClean="0">
-                                    <a:solidFill>
-                                      <a:schemeClr val="tx1"/>
-                                    </a:solidFill>
-                                    <a:latin typeface="Cambria Math" panose="02040503050406030204" pitchFamily="18" charset="0"/>
-                                    <a:ea typeface="Cambria Math" panose="02040503050406030204" pitchFamily="18" charset="0"/>
-                                  </a:rPr>
-                                </m:ctrlPr>
-                              </m:sSubPr>
-                              <m:e>
-                                <m:r>
-                                  <a:rPr lang="en-US" sz="800" b="1" i="1">
-                                    <a:solidFill>
-                                      <a:schemeClr val="tx1"/>
-                                    </a:solidFill>
-                                    <a:latin typeface="Cambria Math" panose="02040503050406030204" pitchFamily="18" charset="0"/>
-                                    <a:ea typeface="Cambria Math" panose="02040503050406030204" pitchFamily="18" charset="0"/>
-                                  </a:rPr>
-                                  <m:t>𝝁</m:t>
-                                </m:r>
-                              </m:e>
-                              <m:sub>
-                                <m:r>
-                                  <a:rPr lang="en-US" sz="800" i="1">
-                                    <a:solidFill>
-                                      <a:schemeClr val="tx1"/>
-                                    </a:solidFill>
-                                    <a:latin typeface="Cambria Math" panose="02040503050406030204" pitchFamily="18" charset="0"/>
-                                    <a:ea typeface="Cambria Math" panose="02040503050406030204" pitchFamily="18" charset="0"/>
-                                  </a:rPr>
-                                  <m:t>𝑥</m:t>
-                                </m:r>
-                              </m:sub>
-                            </m:sSub>
-                          </m:oMath>
-                        </m:oMathPara>
-                      </a14:m>
-                      <a:endParaRPr lang="en-US" sz="800" dirty="0">
-                        <a:solidFill>
-                          <a:schemeClr val="tx1"/>
-                        </a:solidFill>
-                      </a:endParaRPr>
-                    </a:p>
-                  </p:txBody>
-                </p:sp>
-              </mc:Choice>
-              <mc:Fallback xmlns="">
-                <p:sp>
-                  <p:nvSpPr>
-                    <p:cNvPr id="195" name="Rectangle 194">
-                      <a:extLst>
-                        <a:ext uri="{FF2B5EF4-FFF2-40B4-BE49-F238E27FC236}">
-                          <a16:creationId xmlns:a16="http://schemas.microsoft.com/office/drawing/2014/main" id="{573E7E9D-817E-428F-B15B-60EB21DCC668}"/>
-                        </a:ext>
-                      </a:extLst>
-                    </p:cNvPr>
-                    <p:cNvSpPr>
-                      <a:spLocks noRot="1" noChangeAspect="1" noMove="1" noResize="1" noEditPoints="1" noAdjustHandles="1" noChangeArrowheads="1" noChangeShapeType="1" noTextEdit="1"/>
-                    </p:cNvSpPr>
-                    <p:nvPr/>
-                  </p:nvSpPr>
-                  <p:spPr>
-                    <a:xfrm>
-                      <a:off x="5514765" y="3261221"/>
-                      <a:ext cx="962450" cy="627686"/>
-                    </a:xfrm>
-                    <a:prstGeom prst="rect">
-                      <a:avLst/>
-                    </a:prstGeom>
-                    <a:blipFill>
-                      <a:blip r:embed="rId3"/>
-                      <a:stretch>
-                        <a:fillRect b="-3125"/>
-                      </a:stretch>
-                    </a:blipFill>
-                  </p:spPr>
-                  <p:txBody>
-                    <a:bodyPr/>
-                    <a:lstStyle/>
-                    <a:p>
-                      <a:r>
-                        <a:rPr lang="en-US">
-                          <a:noFill/>
-                        </a:rPr>
-                        <a:t> </a:t>
-                      </a:r>
-                    </a:p>
-                  </p:txBody>
-                </p:sp>
-              </mc:Fallback>
-            </mc:AlternateContent>
-            <mc:AlternateContent xmlns:mc="http://schemas.openxmlformats.org/markup-compatibility/2006" xmlns:a14="http://schemas.microsoft.com/office/drawing/2010/main">
-              <mc:Choice Requires="a14">
-                <p:sp>
-                  <p:nvSpPr>
-                    <p:cNvPr id="196" name="Rectangle 195">
-                      <a:extLst>
-                        <a:ext uri="{FF2B5EF4-FFF2-40B4-BE49-F238E27FC236}">
-                          <a16:creationId xmlns:a16="http://schemas.microsoft.com/office/drawing/2014/main" id="{ED07E603-C5AC-464B-9BC3-80D4E1E625AE}"/>
-                        </a:ext>
-                      </a:extLst>
-                    </p:cNvPr>
-                    <p:cNvSpPr/>
-                    <p:nvPr/>
-                  </p:nvSpPr>
-                  <p:spPr>
-                    <a:xfrm>
-                      <a:off x="5493334" y="5795225"/>
-                      <a:ext cx="957780" cy="627686"/>
-                    </a:xfrm>
-                    <a:prstGeom prst="rect">
-                      <a:avLst/>
-                    </a:prstGeom>
-                  </p:spPr>
-                  <p:txBody>
-                    <a:bodyPr wrap="none">
-                      <a:spAutoFit/>
-                    </a:bodyPr>
-                    <a:lstStyle/>
-                    <a:p>
-                      <a:pPr/>
-                      <a14:m>
-                        <m:oMathPara xmlns:m="http://schemas.openxmlformats.org/officeDocument/2006/math">
-                          <m:oMathParaPr>
-                            <m:jc m:val="centerGroup"/>
-                          </m:oMathParaPr>
-                          <m:oMath xmlns:m="http://schemas.openxmlformats.org/officeDocument/2006/math">
-                            <m:sSub>
-                              <m:sSubPr>
-                                <m:ctrlPr>
-                                  <a:rPr lang="en-US" sz="800" i="1" smtClean="0">
-                                    <a:solidFill>
-                                      <a:schemeClr val="tx1"/>
-                                    </a:solidFill>
-                                    <a:latin typeface="Cambria Math" panose="02040503050406030204" pitchFamily="18" charset="0"/>
-                                    <a:ea typeface="Cambria Math" panose="02040503050406030204" pitchFamily="18" charset="0"/>
-                                  </a:rPr>
-                                </m:ctrlPr>
-                              </m:sSubPr>
-                              <m:e>
-                                <m:r>
-                                  <a:rPr lang="en-US" sz="800" b="1" i="1">
-                                    <a:solidFill>
-                                      <a:schemeClr val="tx1"/>
-                                    </a:solidFill>
-                                    <a:latin typeface="Cambria Math" panose="02040503050406030204" pitchFamily="18" charset="0"/>
-                                    <a:ea typeface="Cambria Math" panose="02040503050406030204" pitchFamily="18" charset="0"/>
-                                  </a:rPr>
-                                  <m:t>𝝈</m:t>
-                                </m:r>
-                              </m:e>
-                              <m:sub>
-                                <m:r>
-                                  <a:rPr lang="en-US" sz="800" i="1">
-                                    <a:solidFill>
-                                      <a:schemeClr val="tx1"/>
-                                    </a:solidFill>
-                                    <a:latin typeface="Cambria Math" panose="02040503050406030204" pitchFamily="18" charset="0"/>
-                                    <a:ea typeface="Cambria Math" panose="02040503050406030204" pitchFamily="18" charset="0"/>
-                                  </a:rPr>
-                                  <m:t>𝑥</m:t>
-                                </m:r>
-                              </m:sub>
-                            </m:sSub>
-                          </m:oMath>
-                        </m:oMathPara>
-                      </a14:m>
-                      <a:endParaRPr lang="en-US" sz="800" dirty="0">
-                        <a:solidFill>
-                          <a:schemeClr val="tx1"/>
-                        </a:solidFill>
-                      </a:endParaRPr>
-                    </a:p>
-                  </p:txBody>
-                </p:sp>
-              </mc:Choice>
-              <mc:Fallback xmlns="">
-                <p:sp>
-                  <p:nvSpPr>
-                    <p:cNvPr id="196" name="Rectangle 195">
-                      <a:extLst>
-                        <a:ext uri="{FF2B5EF4-FFF2-40B4-BE49-F238E27FC236}">
-                          <a16:creationId xmlns:a16="http://schemas.microsoft.com/office/drawing/2014/main" id="{ED07E603-C5AC-464B-9BC3-80D4E1E625AE}"/>
-                        </a:ext>
-                      </a:extLst>
-                    </p:cNvPr>
-                    <p:cNvSpPr>
-                      <a:spLocks noRot="1" noChangeAspect="1" noMove="1" noResize="1" noEditPoints="1" noAdjustHandles="1" noChangeArrowheads="1" noChangeShapeType="1" noTextEdit="1"/>
-                    </p:cNvSpPr>
-                    <p:nvPr/>
-                  </p:nvSpPr>
-                  <p:spPr>
-                    <a:xfrm>
-                      <a:off x="5493334" y="5795225"/>
-                      <a:ext cx="957780" cy="627686"/>
-                    </a:xfrm>
-                    <a:prstGeom prst="rect">
-                      <a:avLst/>
-                    </a:prstGeom>
-                    <a:blipFill>
-                      <a:blip r:embed="rId4"/>
-                      <a:stretch>
-                        <a:fillRect/>
-                      </a:stretch>
-                    </a:blipFill>
-                  </p:spPr>
-                  <p:txBody>
-                    <a:bodyPr/>
-                    <a:lstStyle/>
-                    <a:p>
-                      <a:r>
-                        <a:rPr lang="en-US">
-                          <a:noFill/>
-                        </a:rPr>
-                        <a:t> </a:t>
-                      </a:r>
-                    </a:p>
-                  </p:txBody>
-                </p:sp>
-              </mc:Fallback>
-            </mc:AlternateContent>
-            <mc:AlternateContent xmlns:mc="http://schemas.openxmlformats.org/markup-compatibility/2006" xmlns:a14="http://schemas.microsoft.com/office/drawing/2010/main">
-              <mc:Choice Requires="a14">
-                <p:sp>
-                  <p:nvSpPr>
-                    <p:cNvPr id="197" name="Rectangle 196">
-                      <a:extLst>
-                        <a:ext uri="{FF2B5EF4-FFF2-40B4-BE49-F238E27FC236}">
-                          <a16:creationId xmlns:a16="http://schemas.microsoft.com/office/drawing/2014/main" id="{BBCC3269-A357-4385-93FC-3D3F414DB0FD}"/>
-                        </a:ext>
-                      </a:extLst>
-                    </p:cNvPr>
-                    <p:cNvSpPr/>
-                    <p:nvPr/>
-                  </p:nvSpPr>
-                  <p:spPr>
-                    <a:xfrm>
-                      <a:off x="6262514" y="5711723"/>
-                      <a:ext cx="2492991" cy="627686"/>
-                    </a:xfrm>
-                    <a:prstGeom prst="rect">
-                      <a:avLst/>
-                    </a:prstGeom>
-                  </p:spPr>
-                  <p:txBody>
-                    <a:bodyPr wrap="none">
-                      <a:spAutoFit/>
-                    </a:bodyPr>
-                    <a:lstStyle/>
-                    <a:p>
-                      <a:pPr/>
-                      <a14:m>
-                        <m:oMathPara xmlns:m="http://schemas.openxmlformats.org/officeDocument/2006/math">
-                          <m:oMathParaPr>
-                            <m:jc m:val="centerGroup"/>
-                          </m:oMathParaPr>
-                          <m:oMath xmlns:m="http://schemas.openxmlformats.org/officeDocument/2006/math">
-                            <m:r>
-                              <a:rPr lang="en-US" sz="800" b="1" i="1" smtClean="0">
-                                <a:solidFill>
-                                  <a:schemeClr val="tx1"/>
-                                </a:solidFill>
-                                <a:latin typeface="Cambria Math" panose="02040503050406030204" pitchFamily="18" charset="0"/>
-                                <a:ea typeface="Cambria Math" panose="02040503050406030204" pitchFamily="18" charset="0"/>
-                              </a:rPr>
-                              <m:t>𝒛</m:t>
-                            </m:r>
-                            <m:r>
-                              <a:rPr lang="en-US" sz="800" b="0" i="1" smtClean="0">
-                                <a:solidFill>
-                                  <a:schemeClr val="tx1"/>
-                                </a:solidFill>
-                                <a:latin typeface="Cambria Math" panose="02040503050406030204" pitchFamily="18" charset="0"/>
-                                <a:ea typeface="Cambria Math" panose="02040503050406030204" pitchFamily="18" charset="0"/>
-                              </a:rPr>
-                              <m:t>∼</m:t>
-                            </m:r>
-                            <m:r>
-                              <a:rPr lang="en-US" sz="800" i="1" smtClean="0">
-                                <a:solidFill>
-                                  <a:schemeClr val="tx1"/>
-                                </a:solidFill>
-                                <a:latin typeface="Cambria Math" panose="02040503050406030204" pitchFamily="18" charset="0"/>
-                                <a:ea typeface="Cambria Math" panose="02040503050406030204" pitchFamily="18" charset="0"/>
-                              </a:rPr>
-                              <m:t>𝒩</m:t>
-                            </m:r>
-                            <m:d>
-                              <m:dPr>
-                                <m:ctrlPr>
-                                  <a:rPr lang="en-US" sz="800" i="1">
-                                    <a:solidFill>
-                                      <a:schemeClr val="tx1"/>
-                                    </a:solidFill>
-                                    <a:latin typeface="Cambria Math" panose="02040503050406030204" pitchFamily="18" charset="0"/>
-                                    <a:ea typeface="Cambria Math" panose="02040503050406030204" pitchFamily="18" charset="0"/>
-                                  </a:rPr>
-                                </m:ctrlPr>
-                              </m:dPr>
-                              <m:e>
-                                <m:sSub>
-                                  <m:sSubPr>
-                                    <m:ctrlPr>
-                                      <a:rPr lang="en-US" sz="800" i="1">
-                                        <a:solidFill>
-                                          <a:schemeClr val="tx1"/>
-                                        </a:solidFill>
-                                        <a:latin typeface="Cambria Math" panose="02040503050406030204" pitchFamily="18" charset="0"/>
-                                        <a:ea typeface="Cambria Math" panose="02040503050406030204" pitchFamily="18" charset="0"/>
-                                      </a:rPr>
-                                    </m:ctrlPr>
-                                  </m:sSubPr>
-                                  <m:e>
-                                    <m:r>
-                                      <a:rPr lang="en-US" sz="800" b="1" i="1">
-                                        <a:solidFill>
-                                          <a:schemeClr val="tx1"/>
-                                        </a:solidFill>
-                                        <a:latin typeface="Cambria Math" panose="02040503050406030204" pitchFamily="18" charset="0"/>
-                                        <a:ea typeface="Cambria Math" panose="02040503050406030204" pitchFamily="18" charset="0"/>
-                                      </a:rPr>
-                                      <m:t>𝝁</m:t>
-                                    </m:r>
-                                  </m:e>
-                                  <m:sub>
-                                    <m:r>
-                                      <a:rPr lang="en-US" sz="800" i="1">
-                                        <a:solidFill>
-                                          <a:schemeClr val="tx1"/>
-                                        </a:solidFill>
-                                        <a:latin typeface="Cambria Math" panose="02040503050406030204" pitchFamily="18" charset="0"/>
-                                        <a:ea typeface="Cambria Math" panose="02040503050406030204" pitchFamily="18" charset="0"/>
-                                      </a:rPr>
-                                      <m:t>𝑥</m:t>
-                                    </m:r>
-                                  </m:sub>
-                                </m:sSub>
-                                <m:r>
-                                  <a:rPr lang="en-US" sz="800" i="1">
-                                    <a:solidFill>
-                                      <a:schemeClr val="tx1"/>
-                                    </a:solidFill>
-                                    <a:latin typeface="Cambria Math" panose="02040503050406030204" pitchFamily="18" charset="0"/>
-                                    <a:ea typeface="Cambria Math" panose="02040503050406030204" pitchFamily="18" charset="0"/>
-                                  </a:rPr>
-                                  <m:t>,</m:t>
-                                </m:r>
-                                <m:sSub>
-                                  <m:sSubPr>
-                                    <m:ctrlPr>
-                                      <a:rPr lang="en-US" sz="800" b="1" i="1">
-                                        <a:solidFill>
-                                          <a:schemeClr val="tx1"/>
-                                        </a:solidFill>
-                                        <a:latin typeface="Cambria Math" panose="02040503050406030204" pitchFamily="18" charset="0"/>
-                                        <a:ea typeface="Cambria Math" panose="02040503050406030204" pitchFamily="18" charset="0"/>
-                                      </a:rPr>
-                                    </m:ctrlPr>
-                                  </m:sSubPr>
-                                  <m:e>
-                                    <m:r>
-                                      <a:rPr lang="en-US" sz="800" b="1" i="1">
-                                        <a:solidFill>
-                                          <a:schemeClr val="tx1"/>
-                                        </a:solidFill>
-                                        <a:latin typeface="Cambria Math" panose="02040503050406030204" pitchFamily="18" charset="0"/>
-                                        <a:ea typeface="Cambria Math" panose="02040503050406030204" pitchFamily="18" charset="0"/>
-                                      </a:rPr>
-                                      <m:t>𝝈</m:t>
-                                    </m:r>
-                                  </m:e>
-                                  <m:sub>
-                                    <m:r>
-                                      <a:rPr lang="en-US" sz="800" i="1">
-                                        <a:solidFill>
-                                          <a:schemeClr val="tx1"/>
-                                        </a:solidFill>
-                                        <a:latin typeface="Cambria Math" panose="02040503050406030204" pitchFamily="18" charset="0"/>
-                                        <a:ea typeface="Cambria Math" panose="02040503050406030204" pitchFamily="18" charset="0"/>
-                                      </a:rPr>
-                                      <m:t>𝑥</m:t>
-                                    </m:r>
-                                  </m:sub>
-                                </m:sSub>
-                              </m:e>
-                            </m:d>
-                          </m:oMath>
-                        </m:oMathPara>
-                      </a14:m>
-                      <a:endParaRPr lang="en-US" sz="800" dirty="0">
-                        <a:solidFill>
-                          <a:schemeClr val="tx1"/>
-                        </a:solidFill>
-                      </a:endParaRPr>
-                    </a:p>
-                  </p:txBody>
-                </p:sp>
-              </mc:Choice>
-              <mc:Fallback xmlns="">
-                <p:sp>
-                  <p:nvSpPr>
-                    <p:cNvPr id="197" name="Rectangle 196">
-                      <a:extLst>
-                        <a:ext uri="{FF2B5EF4-FFF2-40B4-BE49-F238E27FC236}">
-                          <a16:creationId xmlns:a16="http://schemas.microsoft.com/office/drawing/2014/main" id="{BBCC3269-A357-4385-93FC-3D3F414DB0FD}"/>
-                        </a:ext>
-                      </a:extLst>
-                    </p:cNvPr>
-                    <p:cNvSpPr>
-                      <a:spLocks noRot="1" noChangeAspect="1" noMove="1" noResize="1" noEditPoints="1" noAdjustHandles="1" noChangeArrowheads="1" noChangeShapeType="1" noTextEdit="1"/>
-                    </p:cNvSpPr>
-                    <p:nvPr/>
-                  </p:nvSpPr>
-                  <p:spPr>
-                    <a:xfrm>
-                      <a:off x="6262514" y="5711723"/>
-                      <a:ext cx="2492991" cy="627686"/>
-                    </a:xfrm>
-                    <a:prstGeom prst="rect">
-                      <a:avLst/>
-                    </a:prstGeom>
-                    <a:blipFill>
-                      <a:blip r:embed="rId5"/>
-                      <a:stretch>
-                        <a:fillRect b="-3226"/>
-                      </a:stretch>
-                    </a:blipFill>
-                  </p:spPr>
-                  <p:txBody>
-                    <a:bodyPr/>
-                    <a:lstStyle/>
-                    <a:p>
-                      <a:r>
-                        <a:rPr lang="en-US">
-                          <a:noFill/>
-                        </a:rPr>
-                        <a:t> </a:t>
-                      </a:r>
-                    </a:p>
-                  </p:txBody>
-                </p:sp>
-              </mc:Fallback>
-            </mc:AlternateContent>
-          </p:grpSp>
-          <p:pic>
-            <p:nvPicPr>
-              <p:cNvPr id="201" name="Picture 200">
-                <a:extLst>
-                  <a:ext uri="{FF2B5EF4-FFF2-40B4-BE49-F238E27FC236}">
-                    <a16:creationId xmlns:a16="http://schemas.microsoft.com/office/drawing/2014/main" id="{63499B20-09AF-4CC4-8453-98108DE3673A}"/>
-                  </a:ext>
-                </a:extLst>
-              </p:cNvPr>
-              <p:cNvPicPr>
-                <a:picLocks noChangeAspect="1"/>
-              </p:cNvPicPr>
-              <p:nvPr/>
-            </p:nvPicPr>
-            <p:blipFill>
-              <a:blip r:embed="rId6"/>
-              <a:stretch>
-                <a:fillRect/>
-              </a:stretch>
-            </p:blipFill>
-            <p:spPr>
-              <a:xfrm>
-                <a:off x="1072370" y="2393856"/>
-                <a:ext cx="1836070" cy="800726"/>
-              </a:xfrm>
-              <a:prstGeom prst="rect">
-                <a:avLst/>
-              </a:prstGeom>
-            </p:spPr>
-          </p:pic>
-        </p:grpSp>
-        <p:sp>
-          <p:nvSpPr>
-            <p:cNvPr id="203" name="Rectangle: Rounded Corners 202">
-              <a:extLst>
-                <a:ext uri="{FF2B5EF4-FFF2-40B4-BE49-F238E27FC236}">
-                  <a16:creationId xmlns:a16="http://schemas.microsoft.com/office/drawing/2014/main" id="{9F1616B1-5FDF-4EE2-BF22-62EFAE1EA43C}"/>
-                </a:ext>
-              </a:extLst>
-            </p:cNvPr>
-            <p:cNvSpPr/>
-            <p:nvPr/>
-          </p:nvSpPr>
-          <p:spPr>
-            <a:xfrm>
-              <a:off x="2715988" y="2011770"/>
-              <a:ext cx="2110204" cy="2315183"/>
-            </a:xfrm>
-            <a:prstGeom prst="roundRect">
-              <a:avLst>
-                <a:gd name="adj" fmla="val 9291"/>
-              </a:avLst>
-            </a:prstGeom>
-            <a:noFill/>
-            <a:ln>
-              <a:solidFill>
-                <a:schemeClr val="tx1"/>
-              </a:solidFill>
-            </a:ln>
-          </p:spPr>
-          <p:style>
-            <a:lnRef idx="2">
-              <a:schemeClr val="accent1">
-                <a:shade val="50000"/>
-              </a:schemeClr>
-            </a:lnRef>
-            <a:fillRef idx="1">
-              <a:schemeClr val="accent1"/>
-            </a:fillRef>
-            <a:effectRef idx="0">
-              <a:schemeClr val="accent1"/>
-            </a:effectRef>
-            <a:fontRef idx="minor">
-              <a:schemeClr val="lt1"/>
-            </a:fontRef>
-          </p:style>
-          <p:txBody>
-            <a:bodyPr rtlCol="0" anchor="ctr"/>
-            <a:lstStyle/>
-            <a:p>
-              <a:pPr algn="ctr"/>
-              <a:endParaRPr lang="en-US"/>
-            </a:p>
-          </p:txBody>
-        </p:sp>
-        <p:sp>
-          <p:nvSpPr>
-            <p:cNvPr id="204" name="TextBox 203">
-              <a:extLst>
-                <a:ext uri="{FF2B5EF4-FFF2-40B4-BE49-F238E27FC236}">
-                  <a16:creationId xmlns:a16="http://schemas.microsoft.com/office/drawing/2014/main" id="{D1F4A963-2C0C-4E81-9BCA-FEDB38587E34}"/>
-                </a:ext>
-              </a:extLst>
-            </p:cNvPr>
-            <p:cNvSpPr txBox="1"/>
-            <p:nvPr/>
-          </p:nvSpPr>
-          <p:spPr>
-            <a:xfrm>
-              <a:off x="2715986" y="2036058"/>
-              <a:ext cx="2110205" cy="430887"/>
-            </a:xfrm>
-            <a:prstGeom prst="rect">
-              <a:avLst/>
-            </a:prstGeom>
-            <a:noFill/>
-          </p:spPr>
-          <p:txBody>
-            <a:bodyPr wrap="square" rtlCol="0">
-              <a:spAutoFit/>
-            </a:bodyPr>
-            <a:lstStyle/>
-            <a:p>
-              <a:pPr algn="ctr"/>
-              <a:r>
-                <a:rPr lang="en-US" sz="1100" dirty="0">
-                  <a:solidFill>
-                    <a:schemeClr val="tx1"/>
-                  </a:solidFill>
-                  <a:latin typeface="Corbel" panose="020B0503020204020204" pitchFamily="34" charset="0"/>
-                </a:rPr>
-                <a:t>Variational Autoencoder, Generative Adversarial Networks</a:t>
-              </a:r>
-            </a:p>
-          </p:txBody>
-        </p:sp>
-      </p:grpSp>
-      <p:cxnSp>
-        <p:nvCxnSpPr>
-          <p:cNvPr id="207" name="Connector: Curved 206">
-            <a:extLst>
-              <a:ext uri="{FF2B5EF4-FFF2-40B4-BE49-F238E27FC236}">
-                <a16:creationId xmlns:a16="http://schemas.microsoft.com/office/drawing/2014/main" id="{BE38BBDB-ACD8-4B65-A1B4-D6D5FBD80902}"/>
-              </a:ext>
-            </a:extLst>
-          </p:cNvPr>
-          <p:cNvCxnSpPr>
-            <a:stCxn id="8" idx="0"/>
-            <a:endCxn id="203" idx="1"/>
-          </p:cNvCxnSpPr>
-          <p:nvPr/>
-        </p:nvCxnSpPr>
-        <p:spPr>
-          <a:xfrm rot="5400000" flipH="1" flipV="1">
-            <a:off x="1692517" y="2235599"/>
-            <a:ext cx="576350" cy="1316440"/>
-          </a:xfrm>
-          <a:prstGeom prst="curvedConnector2">
-            <a:avLst/>
-          </a:prstGeom>
-          <a:ln w="57150">
-            <a:solidFill>
-              <a:schemeClr val="tx1"/>
-            </a:solidFill>
-            <a:tailEnd type="triangle"/>
-          </a:ln>
-        </p:spPr>
-        <p:style>
-          <a:lnRef idx="1">
-            <a:schemeClr val="dk1"/>
-          </a:lnRef>
-          <a:fillRef idx="0">
-            <a:schemeClr val="dk1"/>
-          </a:fillRef>
-          <a:effectRef idx="0">
-            <a:schemeClr val="dk1"/>
-          </a:effectRef>
-          <a:fontRef idx="minor">
-            <a:schemeClr val="tx1"/>
-          </a:fontRef>
-        </p:style>
-      </p:cxnSp>
-      <p:cxnSp>
-        <p:nvCxnSpPr>
-          <p:cNvPr id="208" name="Connector: Curved 207">
-            <a:extLst>
-              <a:ext uri="{FF2B5EF4-FFF2-40B4-BE49-F238E27FC236}">
-                <a16:creationId xmlns:a16="http://schemas.microsoft.com/office/drawing/2014/main" id="{89B2E86B-32DA-40FA-95C6-CA805A1EE1DF}"/>
-              </a:ext>
-            </a:extLst>
-          </p:cNvPr>
-          <p:cNvCxnSpPr>
-            <a:cxnSpLocks/>
-            <a:stCxn id="8" idx="2"/>
-            <a:endCxn id="9" idx="1"/>
-          </p:cNvCxnSpPr>
-          <p:nvPr/>
-        </p:nvCxnSpPr>
-        <p:spPr>
-          <a:xfrm rot="16200000" flipH="1">
-            <a:off x="1622663" y="3776747"/>
-            <a:ext cx="709806" cy="1310188"/>
-          </a:xfrm>
-          <a:prstGeom prst="curvedConnector2">
-            <a:avLst/>
-          </a:prstGeom>
-          <a:ln w="57150">
-            <a:solidFill>
-              <a:schemeClr val="tx1"/>
-            </a:solidFill>
-            <a:tailEnd type="triangle"/>
-          </a:ln>
-        </p:spPr>
-        <p:style>
-          <a:lnRef idx="1">
-            <a:schemeClr val="dk1"/>
-          </a:lnRef>
-          <a:fillRef idx="0">
-            <a:schemeClr val="dk1"/>
-          </a:fillRef>
-          <a:effectRef idx="0">
-            <a:schemeClr val="dk1"/>
-          </a:effectRef>
-          <a:fontRef idx="minor">
-            <a:schemeClr val="tx1"/>
-          </a:fontRef>
-        </p:style>
-      </p:cxnSp>
-      <p:sp>
-        <p:nvSpPr>
-          <p:cNvPr id="219" name="TextBox 218">
-            <a:extLst>
-              <a:ext uri="{FF2B5EF4-FFF2-40B4-BE49-F238E27FC236}">
-                <a16:creationId xmlns:a16="http://schemas.microsoft.com/office/drawing/2014/main" id="{0865B54F-4F1E-48E8-B6E3-CB804BE4C59F}"/>
-              </a:ext>
-            </a:extLst>
-          </p:cNvPr>
-          <p:cNvSpPr txBox="1"/>
-          <p:nvPr/>
-        </p:nvSpPr>
-        <p:spPr>
-          <a:xfrm>
-            <a:off x="596482" y="2331529"/>
-            <a:ext cx="2110205" cy="338554"/>
-          </a:xfrm>
-          <a:prstGeom prst="rect">
-            <a:avLst/>
-          </a:prstGeom>
-          <a:noFill/>
-        </p:spPr>
-        <p:txBody>
-          <a:bodyPr wrap="square" rtlCol="0">
-            <a:spAutoFit/>
-          </a:bodyPr>
-          <a:lstStyle/>
-          <a:p>
-            <a:pPr algn="ctr"/>
-            <a:r>
-              <a:rPr lang="en-US" sz="1600" dirty="0">
-                <a:solidFill>
-                  <a:schemeClr val="tx1"/>
-                </a:solidFill>
-                <a:latin typeface="Corbel" panose="020B0503020204020204" pitchFamily="34" charset="0"/>
-              </a:rPr>
-              <a:t>Generative</a:t>
-            </a:r>
-          </a:p>
-        </p:txBody>
-      </p:sp>
-      <p:sp>
-        <p:nvSpPr>
-          <p:cNvPr id="220" name="TextBox 219">
-            <a:extLst>
-              <a:ext uri="{FF2B5EF4-FFF2-40B4-BE49-F238E27FC236}">
-                <a16:creationId xmlns:a16="http://schemas.microsoft.com/office/drawing/2014/main" id="{BE3C7B10-9973-4539-B8EE-38442F811018}"/>
-              </a:ext>
-            </a:extLst>
-          </p:cNvPr>
-          <p:cNvSpPr txBox="1"/>
-          <p:nvPr/>
-        </p:nvSpPr>
-        <p:spPr>
-          <a:xfrm>
-            <a:off x="591949" y="4718216"/>
-            <a:ext cx="2110205" cy="338554"/>
-          </a:xfrm>
-          <a:prstGeom prst="rect">
-            <a:avLst/>
-          </a:prstGeom>
-          <a:noFill/>
-        </p:spPr>
-        <p:txBody>
-          <a:bodyPr wrap="square" rtlCol="0">
-            <a:spAutoFit/>
-          </a:bodyPr>
-          <a:lstStyle/>
-          <a:p>
-            <a:pPr algn="ctr"/>
-            <a:r>
-              <a:rPr lang="en-US" sz="1600" dirty="0">
-                <a:solidFill>
-                  <a:schemeClr val="tx1"/>
-                </a:solidFill>
-                <a:latin typeface="Corbel" panose="020B0503020204020204" pitchFamily="34" charset="0"/>
-              </a:rPr>
-              <a:t>Discriminative</a:t>
-            </a:r>
-          </a:p>
-        </p:txBody>
-      </p:sp>
-      <p:grpSp>
-        <p:nvGrpSpPr>
           <p:cNvPr id="234" name="Group 233">
             <a:extLst>
               <a:ext uri="{FF2B5EF4-FFF2-40B4-BE49-F238E27FC236}">
@@ -13061,7 +12007,7 @@
         </p:nvGrpSpPr>
         <p:grpSpPr>
           <a:xfrm>
-            <a:off x="5208530" y="5038051"/>
+            <a:off x="3200470" y="5038051"/>
             <a:ext cx="1756474" cy="1621512"/>
             <a:chOff x="6023994" y="3290763"/>
             <a:chExt cx="1756474" cy="1621512"/>
@@ -15998,8 +14944,8 @@
         </p:nvCxnSpPr>
         <p:spPr>
           <a:xfrm rot="16200000" flipH="1">
-            <a:off x="4140851" y="4781127"/>
-            <a:ext cx="614591" cy="1520768"/>
+            <a:off x="1736458" y="4384795"/>
+            <a:ext cx="1613886" cy="1314137"/>
           </a:xfrm>
           <a:prstGeom prst="curvedConnector2">
             <a:avLst/>
@@ -16037,15 +14983,15 @@
           </p:cNvPr>
           <p:cNvCxnSpPr>
             <a:cxnSpLocks/>
-            <a:stCxn id="9" idx="3"/>
-            <a:endCxn id="10" idx="2"/>
+            <a:stCxn id="9" idx="0"/>
+            <a:endCxn id="10" idx="1"/>
           </p:cNvCxnSpPr>
           <p:nvPr/>
         </p:nvCxnSpPr>
         <p:spPr>
-          <a:xfrm flipV="1">
-            <a:off x="4742864" y="3003580"/>
-            <a:ext cx="1338003" cy="1783164"/>
+          <a:xfrm rot="5400000" flipH="1" flipV="1">
+            <a:off x="2073830" y="2368612"/>
+            <a:ext cx="783869" cy="1158863"/>
           </a:xfrm>
           <a:prstGeom prst="curvedConnector2">
             <a:avLst/>
@@ -16090,8 +15036,8 @@
         </p:nvCxnSpPr>
         <p:spPr>
           <a:xfrm rot="16200000" flipV="1">
-            <a:off x="5054438" y="4030009"/>
-            <a:ext cx="2058758" cy="5899"/>
+            <a:off x="3048138" y="4031770"/>
+            <a:ext cx="2058758" cy="2378"/>
           </a:xfrm>
           <a:prstGeom prst="curvedConnector3">
             <a:avLst>
@@ -16134,7 +15080,7 @@
         </p:nvSpPr>
         <p:spPr>
           <a:xfrm>
-            <a:off x="3129097" y="5728977"/>
+            <a:off x="1121037" y="5728977"/>
             <a:ext cx="2110205" cy="338554"/>
           </a:xfrm>
           <a:prstGeom prst="rect">
@@ -16175,7 +15121,7 @@
         </p:nvSpPr>
         <p:spPr>
           <a:xfrm>
-            <a:off x="4218601" y="3896367"/>
+            <a:off x="843773" y="2399144"/>
             <a:ext cx="2110205" cy="338554"/>
           </a:xfrm>
           <a:prstGeom prst="rect">
@@ -16216,7 +15162,7 @@
         </p:nvSpPr>
         <p:spPr>
           <a:xfrm>
-            <a:off x="6043099" y="3810335"/>
+            <a:off x="4022725" y="3560644"/>
             <a:ext cx="1386073" cy="830997"/>
           </a:xfrm>
           <a:prstGeom prst="rect">
@@ -16276,7 +15222,7 @@
         </p:nvGrpSpPr>
         <p:grpSpPr>
           <a:xfrm>
-            <a:off x="7808881" y="1364192"/>
+            <a:off x="7334128" y="1430967"/>
             <a:ext cx="3945459" cy="1965884"/>
             <a:chOff x="8009469" y="1344991"/>
             <a:chExt cx="3945459" cy="1965884"/>
@@ -20141,13 +19087,13 @@
         </p:nvCxnSpPr>
         <p:spPr>
           <a:xfrm rot="16200000" flipH="1">
-            <a:off x="6825625" y="1363878"/>
-            <a:ext cx="238498" cy="1728015"/>
+            <a:off x="5552591" y="632372"/>
+            <a:ext cx="305273" cy="3257801"/>
           </a:xfrm>
           <a:prstGeom prst="curvedConnector4">
             <a:avLst>
-              <a:gd name="adj1" fmla="val -95850"/>
-              <a:gd name="adj2" fmla="val 79836"/>
+              <a:gd name="adj1" fmla="val -74884"/>
+              <a:gd name="adj2" fmla="val 65826"/>
             </a:avLst>
           </a:prstGeom>
           <a:ln w="57150">
@@ -20186,7 +19132,7 @@
         </p:nvGrpSpPr>
         <p:grpSpPr>
           <a:xfrm>
-            <a:off x="7140226" y="5279060"/>
+            <a:off x="5328357" y="5279060"/>
             <a:ext cx="3390104" cy="1386714"/>
             <a:chOff x="10496948" y="4863830"/>
             <a:chExt cx="3390104" cy="1386714"/>
@@ -23160,7 +22106,7 @@
         </p:nvGrpSpPr>
         <p:grpSpPr>
           <a:xfrm>
-            <a:off x="10299264" y="3515465"/>
+            <a:off x="10052389" y="4477845"/>
             <a:ext cx="1525823" cy="1621512"/>
             <a:chOff x="11516262" y="4678064"/>
             <a:chExt cx="1525823" cy="1621512"/>
@@ -23310,8 +22256,8 @@
         </p:nvCxnSpPr>
         <p:spPr>
           <a:xfrm>
-            <a:off x="7111998" y="2556108"/>
-            <a:ext cx="692149" cy="1416225"/>
+            <a:off x="5107459" y="2556108"/>
+            <a:ext cx="884819" cy="1469643"/>
           </a:xfrm>
           <a:prstGeom prst="curvedConnector3">
             <a:avLst>
@@ -23354,7 +22300,7 @@
         </p:nvSpPr>
         <p:spPr>
           <a:xfrm>
-            <a:off x="5788404" y="1528319"/>
+            <a:off x="4476641" y="1491967"/>
             <a:ext cx="2110205" cy="338554"/>
           </a:xfrm>
           <a:prstGeom prst="rect">
@@ -23395,7 +22341,7 @@
         </p:nvSpPr>
         <p:spPr>
           <a:xfrm>
-            <a:off x="6299452" y="3131537"/>
+            <a:off x="5411153" y="2872497"/>
             <a:ext cx="1287360" cy="338554"/>
           </a:xfrm>
           <a:prstGeom prst="rect">
@@ -23440,8 +22386,8 @@
         </p:nvCxnSpPr>
         <p:spPr>
           <a:xfrm rot="16200000" flipH="1">
-            <a:off x="8407286" y="4847797"/>
-            <a:ext cx="862244" cy="6259"/>
+            <a:off x="6622126" y="4874506"/>
+            <a:ext cx="808826" cy="6259"/>
           </a:xfrm>
           <a:prstGeom prst="curvedConnector3">
             <a:avLst>
@@ -23481,20 +22427,19 @@
           </p:cNvPr>
           <p:cNvCxnSpPr>
             <a:cxnSpLocks/>
-            <a:stCxn id="11" idx="2"/>
+            <a:stCxn id="11" idx="3"/>
             <a:endCxn id="342" idx="1"/>
           </p:cNvCxnSpPr>
           <p:nvPr/>
         </p:nvCxnSpPr>
         <p:spPr>
-          <a:xfrm rot="5400000" flipH="1" flipV="1">
-            <a:off x="9550087" y="3611413"/>
-            <a:ext cx="93584" cy="1523200"/>
+          <a:xfrm>
+            <a:off x="8054541" y="4025751"/>
+            <a:ext cx="2057063" cy="1262850"/>
           </a:xfrm>
-          <a:prstGeom prst="curvedConnector4">
+          <a:prstGeom prst="curvedConnector3">
             <a:avLst>
-              <a:gd name="adj1" fmla="val -244273"/>
-              <a:gd name="adj2" fmla="val 78099"/>
+              <a:gd name="adj1" fmla="val 50000"/>
             </a:avLst>
           </a:prstGeom>
           <a:ln w="57150">
@@ -23533,7 +22478,7 @@
         </p:nvSpPr>
         <p:spPr>
           <a:xfrm>
-            <a:off x="7141611" y="4646675"/>
+            <a:off x="5291910" y="4690899"/>
             <a:ext cx="2110205" cy="338554"/>
           </a:xfrm>
           <a:prstGeom prst="rect">
@@ -23574,7 +22519,7 @@
         </p:nvSpPr>
         <p:spPr>
           <a:xfrm>
-            <a:off x="8591799" y="4618799"/>
+            <a:off x="8539229" y="4051575"/>
             <a:ext cx="2110205" cy="338554"/>
           </a:xfrm>
           <a:prstGeom prst="rect">
@@ -23623,6 +22568,9 @@
                     <p:cTn id="3" fill="hold">
                       <p:stCondLst>
                         <p:cond delay="indefinite"/>
+                        <p:cond evt="onBegin" delay="0">
+                          <p:tn val="2"/>
+                        </p:cond>
                       </p:stCondLst>
                       <p:childTnLst>
                         <p:par>
@@ -23632,7 +22580,7 @@
                             </p:stCondLst>
                             <p:childTnLst>
                               <p:par>
-                                <p:cTn id="5" presetID="10" presetClass="entr" presetSubtype="0" fill="hold" grpId="0" nodeType="clickEffect">
+                                <p:cTn id="5" presetID="10" presetClass="entr" presetSubtype="0" fill="hold" grpId="0" nodeType="withEffect">
                                   <p:stCondLst>
                                     <p:cond delay="0"/>
                                   </p:stCondLst>
@@ -23645,7 +22593,7 @@
                                           </p:stCondLst>
                                         </p:cTn>
                                         <p:tgtEl>
-                                          <p:spTgt spid="8"/>
+                                          <p:spTgt spid="9"/>
                                         </p:tgtEl>
                                         <p:attrNameLst>
                                           <p:attrName>style.visibility</p:attrName>
@@ -23659,7 +22607,7 @@
                                       <p:cBhvr>
                                         <p:cTn id="7" dur="500"/>
                                         <p:tgtEl>
-                                          <p:spTgt spid="8"/>
+                                          <p:spTgt spid="9"/>
                                         </p:tgtEl>
                                       </p:cBhvr>
                                     </p:animEffect>
@@ -23685,7 +22633,7 @@
                             </p:stCondLst>
                             <p:childTnLst>
                               <p:par>
-                                <p:cTn id="10" presetID="10" presetClass="entr" presetSubtype="0" fill="hold" grpId="0" nodeType="clickEffect">
+                                <p:cTn id="10" presetID="10" presetClass="entr" presetSubtype="0" fill="hold" nodeType="clickEffect">
                                   <p:stCondLst>
                                     <p:cond delay="0"/>
                                   </p:stCondLst>
@@ -23698,7 +22646,7 @@
                                           </p:stCondLst>
                                         </p:cTn>
                                         <p:tgtEl>
-                                          <p:spTgt spid="219"/>
+                                          <p:spTgt spid="235"/>
                                         </p:tgtEl>
                                         <p:attrNameLst>
                                           <p:attrName>style.visibility</p:attrName>
@@ -23712,7 +22660,7 @@
                                       <p:cBhvr>
                                         <p:cTn id="12" dur="500"/>
                                         <p:tgtEl>
-                                          <p:spTgt spid="219"/>
+                                          <p:spTgt spid="235"/>
                                         </p:tgtEl>
                                       </p:cBhvr>
                                     </p:animEffect>
@@ -23720,7 +22668,7 @@
                                 </p:cTn>
                               </p:par>
                               <p:par>
-                                <p:cTn id="13" presetID="10" presetClass="entr" presetSubtype="0" fill="hold" nodeType="withEffect">
+                                <p:cTn id="13" presetID="10" presetClass="entr" presetSubtype="0" fill="hold" grpId="0" nodeType="withEffect">
                                   <p:stCondLst>
                                     <p:cond delay="0"/>
                                   </p:stCondLst>
@@ -23733,7 +22681,7 @@
                                           </p:stCondLst>
                                         </p:cTn>
                                         <p:tgtEl>
-                                          <p:spTgt spid="207"/>
+                                          <p:spTgt spid="245"/>
                                         </p:tgtEl>
                                         <p:attrNameLst>
                                           <p:attrName>style.visibility</p:attrName>
@@ -23747,7 +22695,7 @@
                                       <p:cBhvr>
                                         <p:cTn id="15" dur="500"/>
                                         <p:tgtEl>
-                                          <p:spTgt spid="207"/>
+                                          <p:spTgt spid="245"/>
                                         </p:tgtEl>
                                       </p:cBhvr>
                                     </p:animEffect>
@@ -23768,7 +22716,7 @@
                                           </p:stCondLst>
                                         </p:cTn>
                                         <p:tgtEl>
-                                          <p:spTgt spid="205"/>
+                                          <p:spTgt spid="234"/>
                                         </p:tgtEl>
                                         <p:attrNameLst>
                                           <p:attrName>style.visibility</p:attrName>
@@ -23782,7 +22730,7 @@
                                       <p:cBhvr>
                                         <p:cTn id="18" dur="500"/>
                                         <p:tgtEl>
-                                          <p:spTgt spid="205"/>
+                                          <p:spTgt spid="234"/>
                                         </p:tgtEl>
                                       </p:cBhvr>
                                     </p:animEffect>
@@ -23821,7 +22769,7 @@
                                           </p:stCondLst>
                                         </p:cTn>
                                         <p:tgtEl>
-                                          <p:spTgt spid="208"/>
+                                          <p:spTgt spid="239"/>
                                         </p:tgtEl>
                                         <p:attrNameLst>
                                           <p:attrName>style.visibility</p:attrName>
@@ -23835,7 +22783,7 @@
                                       <p:cBhvr>
                                         <p:cTn id="23" dur="500"/>
                                         <p:tgtEl>
-                                          <p:spTgt spid="208"/>
+                                          <p:spTgt spid="239"/>
                                         </p:tgtEl>
                                       </p:cBhvr>
                                     </p:animEffect>
@@ -23856,7 +22804,7 @@
                                           </p:stCondLst>
                                         </p:cTn>
                                         <p:tgtEl>
-                                          <p:spTgt spid="220"/>
+                                          <p:spTgt spid="246"/>
                                         </p:tgtEl>
                                         <p:attrNameLst>
                                           <p:attrName>style.visibility</p:attrName>
@@ -23870,7 +22818,7 @@
                                       <p:cBhvr>
                                         <p:cTn id="26" dur="500"/>
                                         <p:tgtEl>
-                                          <p:spTgt spid="220"/>
+                                          <p:spTgt spid="246"/>
                                         </p:tgtEl>
                                       </p:cBhvr>
                                     </p:animEffect>
@@ -23891,7 +22839,7 @@
                                           </p:stCondLst>
                                         </p:cTn>
                                         <p:tgtEl>
-                                          <p:spTgt spid="9"/>
+                                          <p:spTgt spid="10"/>
                                         </p:tgtEl>
                                         <p:attrNameLst>
                                           <p:attrName>style.visibility</p:attrName>
@@ -23905,7 +22853,7 @@
                                       <p:cBhvr>
                                         <p:cTn id="29" dur="500"/>
                                         <p:tgtEl>
-                                          <p:spTgt spid="9"/>
+                                          <p:spTgt spid="10"/>
                                         </p:tgtEl>
                                       </p:cBhvr>
                                     </p:animEffect>
@@ -23931,7 +22879,7 @@
                             </p:stCondLst>
                             <p:childTnLst>
                               <p:par>
-                                <p:cTn id="32" presetID="10" presetClass="entr" presetSubtype="0" fill="hold" nodeType="clickEffect">
+                                <p:cTn id="32" presetID="10" presetClass="entr" presetSubtype="0" fill="hold" grpId="0" nodeType="clickEffect">
                                   <p:stCondLst>
                                     <p:cond delay="0"/>
                                   </p:stCondLst>
@@ -23939,252 +22887,6 @@
                                     <p:set>
                                       <p:cBhvr>
                                         <p:cTn id="33" dur="1" fill="hold">
-                                          <p:stCondLst>
-                                            <p:cond delay="0"/>
-                                          </p:stCondLst>
-                                        </p:cTn>
-                                        <p:tgtEl>
-                                          <p:spTgt spid="235"/>
-                                        </p:tgtEl>
-                                        <p:attrNameLst>
-                                          <p:attrName>style.visibility</p:attrName>
-                                        </p:attrNameLst>
-                                      </p:cBhvr>
-                                      <p:to>
-                                        <p:strVal val="visible"/>
-                                      </p:to>
-                                    </p:set>
-                                    <p:animEffect transition="in" filter="fade">
-                                      <p:cBhvr>
-                                        <p:cTn id="34" dur="500"/>
-                                        <p:tgtEl>
-                                          <p:spTgt spid="235"/>
-                                        </p:tgtEl>
-                                      </p:cBhvr>
-                                    </p:animEffect>
-                                  </p:childTnLst>
-                                </p:cTn>
-                              </p:par>
-                              <p:par>
-                                <p:cTn id="35" presetID="10" presetClass="entr" presetSubtype="0" fill="hold" grpId="0" nodeType="withEffect">
-                                  <p:stCondLst>
-                                    <p:cond delay="0"/>
-                                  </p:stCondLst>
-                                  <p:childTnLst>
-                                    <p:set>
-                                      <p:cBhvr>
-                                        <p:cTn id="36" dur="1" fill="hold">
-                                          <p:stCondLst>
-                                            <p:cond delay="0"/>
-                                          </p:stCondLst>
-                                        </p:cTn>
-                                        <p:tgtEl>
-                                          <p:spTgt spid="245"/>
-                                        </p:tgtEl>
-                                        <p:attrNameLst>
-                                          <p:attrName>style.visibility</p:attrName>
-                                        </p:attrNameLst>
-                                      </p:cBhvr>
-                                      <p:to>
-                                        <p:strVal val="visible"/>
-                                      </p:to>
-                                    </p:set>
-                                    <p:animEffect transition="in" filter="fade">
-                                      <p:cBhvr>
-                                        <p:cTn id="37" dur="500"/>
-                                        <p:tgtEl>
-                                          <p:spTgt spid="245"/>
-                                        </p:tgtEl>
-                                      </p:cBhvr>
-                                    </p:animEffect>
-                                  </p:childTnLst>
-                                </p:cTn>
-                              </p:par>
-                              <p:par>
-                                <p:cTn id="38" presetID="10" presetClass="entr" presetSubtype="0" fill="hold" nodeType="withEffect">
-                                  <p:stCondLst>
-                                    <p:cond delay="0"/>
-                                  </p:stCondLst>
-                                  <p:childTnLst>
-                                    <p:set>
-                                      <p:cBhvr>
-                                        <p:cTn id="39" dur="1" fill="hold">
-                                          <p:stCondLst>
-                                            <p:cond delay="0"/>
-                                          </p:stCondLst>
-                                        </p:cTn>
-                                        <p:tgtEl>
-                                          <p:spTgt spid="234"/>
-                                        </p:tgtEl>
-                                        <p:attrNameLst>
-                                          <p:attrName>style.visibility</p:attrName>
-                                        </p:attrNameLst>
-                                      </p:cBhvr>
-                                      <p:to>
-                                        <p:strVal val="visible"/>
-                                      </p:to>
-                                    </p:set>
-                                    <p:animEffect transition="in" filter="fade">
-                                      <p:cBhvr>
-                                        <p:cTn id="40" dur="500"/>
-                                        <p:tgtEl>
-                                          <p:spTgt spid="234"/>
-                                        </p:tgtEl>
-                                      </p:cBhvr>
-                                    </p:animEffect>
-                                  </p:childTnLst>
-                                </p:cTn>
-                              </p:par>
-                            </p:childTnLst>
-                          </p:cTn>
-                        </p:par>
-                      </p:childTnLst>
-                    </p:cTn>
-                  </p:par>
-                  <p:par>
-                    <p:cTn id="41" fill="hold">
-                      <p:stCondLst>
-                        <p:cond delay="indefinite"/>
-                      </p:stCondLst>
-                      <p:childTnLst>
-                        <p:par>
-                          <p:cTn id="42" fill="hold">
-                            <p:stCondLst>
-                              <p:cond delay="0"/>
-                            </p:stCondLst>
-                            <p:childTnLst>
-                              <p:par>
-                                <p:cTn id="43" presetID="10" presetClass="entr" presetSubtype="0" fill="hold" nodeType="clickEffect">
-                                  <p:stCondLst>
-                                    <p:cond delay="0"/>
-                                  </p:stCondLst>
-                                  <p:childTnLst>
-                                    <p:set>
-                                      <p:cBhvr>
-                                        <p:cTn id="44" dur="1" fill="hold">
-                                          <p:stCondLst>
-                                            <p:cond delay="0"/>
-                                          </p:stCondLst>
-                                        </p:cTn>
-                                        <p:tgtEl>
-                                          <p:spTgt spid="239"/>
-                                        </p:tgtEl>
-                                        <p:attrNameLst>
-                                          <p:attrName>style.visibility</p:attrName>
-                                        </p:attrNameLst>
-                                      </p:cBhvr>
-                                      <p:to>
-                                        <p:strVal val="visible"/>
-                                      </p:to>
-                                    </p:set>
-                                    <p:animEffect transition="in" filter="fade">
-                                      <p:cBhvr>
-                                        <p:cTn id="45" dur="500"/>
-                                        <p:tgtEl>
-                                          <p:spTgt spid="239"/>
-                                        </p:tgtEl>
-                                      </p:cBhvr>
-                                    </p:animEffect>
-                                  </p:childTnLst>
-                                </p:cTn>
-                              </p:par>
-                              <p:par>
-                                <p:cTn id="46" presetID="10" presetClass="entr" presetSubtype="0" fill="hold" grpId="0" nodeType="withEffect">
-                                  <p:stCondLst>
-                                    <p:cond delay="0"/>
-                                  </p:stCondLst>
-                                  <p:childTnLst>
-                                    <p:set>
-                                      <p:cBhvr>
-                                        <p:cTn id="47" dur="1" fill="hold">
-                                          <p:stCondLst>
-                                            <p:cond delay="0"/>
-                                          </p:stCondLst>
-                                        </p:cTn>
-                                        <p:tgtEl>
-                                          <p:spTgt spid="246"/>
-                                        </p:tgtEl>
-                                        <p:attrNameLst>
-                                          <p:attrName>style.visibility</p:attrName>
-                                        </p:attrNameLst>
-                                      </p:cBhvr>
-                                      <p:to>
-                                        <p:strVal val="visible"/>
-                                      </p:to>
-                                    </p:set>
-                                    <p:animEffect transition="in" filter="fade">
-                                      <p:cBhvr>
-                                        <p:cTn id="48" dur="500"/>
-                                        <p:tgtEl>
-                                          <p:spTgt spid="246"/>
-                                        </p:tgtEl>
-                                      </p:cBhvr>
-                                    </p:animEffect>
-                                  </p:childTnLst>
-                                </p:cTn>
-                              </p:par>
-                              <p:par>
-                                <p:cTn id="49" presetID="10" presetClass="entr" presetSubtype="0" fill="hold" grpId="0" nodeType="withEffect">
-                                  <p:stCondLst>
-                                    <p:cond delay="0"/>
-                                  </p:stCondLst>
-                                  <p:childTnLst>
-                                    <p:set>
-                                      <p:cBhvr>
-                                        <p:cTn id="50" dur="1" fill="hold">
-                                          <p:stCondLst>
-                                            <p:cond delay="0"/>
-                                          </p:stCondLst>
-                                        </p:cTn>
-                                        <p:tgtEl>
-                                          <p:spTgt spid="10"/>
-                                        </p:tgtEl>
-                                        <p:attrNameLst>
-                                          <p:attrName>style.visibility</p:attrName>
-                                        </p:attrNameLst>
-                                      </p:cBhvr>
-                                      <p:to>
-                                        <p:strVal val="visible"/>
-                                      </p:to>
-                                    </p:set>
-                                    <p:animEffect transition="in" filter="fade">
-                                      <p:cBhvr>
-                                        <p:cTn id="51" dur="500"/>
-                                        <p:tgtEl>
-                                          <p:spTgt spid="10"/>
-                                        </p:tgtEl>
-                                      </p:cBhvr>
-                                    </p:animEffect>
-                                  </p:childTnLst>
-                                </p:cTn>
-                              </p:par>
-                            </p:childTnLst>
-                          </p:cTn>
-                        </p:par>
-                      </p:childTnLst>
-                    </p:cTn>
-                  </p:par>
-                  <p:par>
-                    <p:cTn id="52" fill="hold">
-                      <p:stCondLst>
-                        <p:cond delay="indefinite"/>
-                      </p:stCondLst>
-                      <p:childTnLst>
-                        <p:par>
-                          <p:cTn id="53" fill="hold">
-                            <p:stCondLst>
-                              <p:cond delay="0"/>
-                            </p:stCondLst>
-                            <p:childTnLst>
-                              <p:par>
-                                <p:cTn id="54" presetID="10" presetClass="entr" presetSubtype="0" fill="hold" grpId="0" nodeType="clickEffect">
-                                  <p:stCondLst>
-                                    <p:cond delay="0"/>
-                                  </p:stCondLst>
-                                  <p:childTnLst>
-                                    <p:set>
-                                      <p:cBhvr>
-                                        <p:cTn id="55" dur="1" fill="hold">
                                           <p:stCondLst>
                                             <p:cond delay="0"/>
                                           </p:stCondLst>
@@ -24202,7 +22904,7 @@
                                     </p:set>
                                     <p:animEffect transition="in" filter="fade">
                                       <p:cBhvr>
-                                        <p:cTn id="56" dur="500"/>
+                                        <p:cTn id="34" dur="500"/>
                                         <p:tgtEl>
                                           <p:spTgt spid="247"/>
                                         </p:tgtEl>
@@ -24212,14 +22914,14 @@
                                 </p:cTn>
                               </p:par>
                               <p:par>
-                                <p:cTn id="57" presetID="10" presetClass="entr" presetSubtype="0" fill="hold" nodeType="withEffect">
+                                <p:cTn id="35" presetID="10" presetClass="entr" presetSubtype="0" fill="hold" nodeType="withEffect">
                                   <p:stCondLst>
                                     <p:cond delay="0"/>
                                   </p:stCondLst>
                                   <p:childTnLst>
                                     <p:set>
                                       <p:cBhvr>
-                                        <p:cTn id="58" dur="1" fill="hold">
+                                        <p:cTn id="36" dur="1" fill="hold">
                                           <p:stCondLst>
                                             <p:cond delay="0"/>
                                           </p:stCondLst>
@@ -24237,9 +22939,255 @@
                                     </p:set>
                                     <p:animEffect transition="in" filter="fade">
                                       <p:cBhvr>
+                                        <p:cTn id="37" dur="500"/>
+                                        <p:tgtEl>
+                                          <p:spTgt spid="242"/>
+                                        </p:tgtEl>
+                                      </p:cBhvr>
+                                    </p:animEffect>
+                                  </p:childTnLst>
+                                </p:cTn>
+                              </p:par>
+                            </p:childTnLst>
+                          </p:cTn>
+                        </p:par>
+                      </p:childTnLst>
+                    </p:cTn>
+                  </p:par>
+                  <p:par>
+                    <p:cTn id="38" fill="hold">
+                      <p:stCondLst>
+                        <p:cond delay="indefinite"/>
+                      </p:stCondLst>
+                      <p:childTnLst>
+                        <p:par>
+                          <p:cTn id="39" fill="hold">
+                            <p:stCondLst>
+                              <p:cond delay="0"/>
+                            </p:stCondLst>
+                            <p:childTnLst>
+                              <p:par>
+                                <p:cTn id="40" presetID="10" presetClass="entr" presetSubtype="0" fill="hold" nodeType="clickEffect">
+                                  <p:stCondLst>
+                                    <p:cond delay="0"/>
+                                  </p:stCondLst>
+                                  <p:childTnLst>
+                                    <p:set>
+                                      <p:cBhvr>
+                                        <p:cTn id="41" dur="1" fill="hold">
+                                          <p:stCondLst>
+                                            <p:cond delay="0"/>
+                                          </p:stCondLst>
+                                        </p:cTn>
+                                        <p:tgtEl>
+                                          <p:spTgt spid="292"/>
+                                        </p:tgtEl>
+                                        <p:attrNameLst>
+                                          <p:attrName>style.visibility</p:attrName>
+                                        </p:attrNameLst>
+                                      </p:cBhvr>
+                                      <p:to>
+                                        <p:strVal val="visible"/>
+                                      </p:to>
+                                    </p:set>
+                                    <p:animEffect transition="in" filter="fade">
+                                      <p:cBhvr>
+                                        <p:cTn id="42" dur="500"/>
+                                        <p:tgtEl>
+                                          <p:spTgt spid="292"/>
+                                        </p:tgtEl>
+                                      </p:cBhvr>
+                                    </p:animEffect>
+                                  </p:childTnLst>
+                                </p:cTn>
+                              </p:par>
+                              <p:par>
+                                <p:cTn id="43" presetID="10" presetClass="entr" presetSubtype="0" fill="hold" grpId="0" nodeType="withEffect">
+                                  <p:stCondLst>
+                                    <p:cond delay="0"/>
+                                  </p:stCondLst>
+                                  <p:childTnLst>
+                                    <p:set>
+                                      <p:cBhvr>
+                                        <p:cTn id="44" dur="1" fill="hold">
+                                          <p:stCondLst>
+                                            <p:cond delay="0"/>
+                                          </p:stCondLst>
+                                        </p:cTn>
+                                        <p:tgtEl>
+                                          <p:spTgt spid="396"/>
+                                        </p:tgtEl>
+                                        <p:attrNameLst>
+                                          <p:attrName>style.visibility</p:attrName>
+                                        </p:attrNameLst>
+                                      </p:cBhvr>
+                                      <p:to>
+                                        <p:strVal val="visible"/>
+                                      </p:to>
+                                    </p:set>
+                                    <p:animEffect transition="in" filter="fade">
+                                      <p:cBhvr>
+                                        <p:cTn id="45" dur="500"/>
+                                        <p:tgtEl>
+                                          <p:spTgt spid="396"/>
+                                        </p:tgtEl>
+                                      </p:cBhvr>
+                                    </p:animEffect>
+                                  </p:childTnLst>
+                                </p:cTn>
+                              </p:par>
+                              <p:par>
+                                <p:cTn id="46" presetID="10" presetClass="entr" presetSubtype="0" fill="hold" nodeType="withEffect">
+                                  <p:stCondLst>
+                                    <p:cond delay="0"/>
+                                  </p:stCondLst>
+                                  <p:childTnLst>
+                                    <p:set>
+                                      <p:cBhvr>
+                                        <p:cTn id="47" dur="1" fill="hold">
+                                          <p:stCondLst>
+                                            <p:cond delay="0"/>
+                                          </p:stCondLst>
+                                        </p:cTn>
+                                        <p:tgtEl>
+                                          <p:spTgt spid="291"/>
+                                        </p:tgtEl>
+                                        <p:attrNameLst>
+                                          <p:attrName>style.visibility</p:attrName>
+                                        </p:attrNameLst>
+                                      </p:cBhvr>
+                                      <p:to>
+                                        <p:strVal val="visible"/>
+                                      </p:to>
+                                    </p:set>
+                                    <p:animEffect transition="in" filter="fade">
+                                      <p:cBhvr>
+                                        <p:cTn id="48" dur="500"/>
+                                        <p:tgtEl>
+                                          <p:spTgt spid="291"/>
+                                        </p:tgtEl>
+                                      </p:cBhvr>
+                                    </p:animEffect>
+                                  </p:childTnLst>
+                                </p:cTn>
+                              </p:par>
+                            </p:childTnLst>
+                          </p:cTn>
+                        </p:par>
+                      </p:childTnLst>
+                    </p:cTn>
+                  </p:par>
+                  <p:par>
+                    <p:cTn id="49" fill="hold">
+                      <p:stCondLst>
+                        <p:cond delay="indefinite"/>
+                      </p:stCondLst>
+                      <p:childTnLst>
+                        <p:par>
+                          <p:cTn id="50" fill="hold">
+                            <p:stCondLst>
+                              <p:cond delay="0"/>
+                            </p:stCondLst>
+                            <p:childTnLst>
+                              <p:par>
+                                <p:cTn id="51" presetID="10" presetClass="entr" presetSubtype="0" fill="hold" nodeType="clickEffect">
+                                  <p:stCondLst>
+                                    <p:cond delay="0"/>
+                                  </p:stCondLst>
+                                  <p:childTnLst>
+                                    <p:set>
+                                      <p:cBhvr>
+                                        <p:cTn id="52" dur="1" fill="hold">
+                                          <p:stCondLst>
+                                            <p:cond delay="0"/>
+                                          </p:stCondLst>
+                                        </p:cTn>
+                                        <p:tgtEl>
+                                          <p:spTgt spid="393"/>
+                                        </p:tgtEl>
+                                        <p:attrNameLst>
+                                          <p:attrName>style.visibility</p:attrName>
+                                        </p:attrNameLst>
+                                      </p:cBhvr>
+                                      <p:to>
+                                        <p:strVal val="visible"/>
+                                      </p:to>
+                                    </p:set>
+                                    <p:animEffect transition="in" filter="fade">
+                                      <p:cBhvr>
+                                        <p:cTn id="53" dur="500"/>
+                                        <p:tgtEl>
+                                          <p:spTgt spid="393"/>
+                                        </p:tgtEl>
+                                      </p:cBhvr>
+                                    </p:animEffect>
+                                  </p:childTnLst>
+                                </p:cTn>
+                              </p:par>
+                              <p:par>
+                                <p:cTn id="54" presetID="10" presetClass="entr" presetSubtype="0" fill="hold" grpId="0" nodeType="withEffect">
+                                  <p:stCondLst>
+                                    <p:cond delay="0"/>
+                                  </p:stCondLst>
+                                  <p:childTnLst>
+                                    <p:set>
+                                      <p:cBhvr>
+                                        <p:cTn id="55" dur="1" fill="hold">
+                                          <p:stCondLst>
+                                            <p:cond delay="0"/>
+                                          </p:stCondLst>
+                                        </p:cTn>
+                                        <p:tgtEl>
+                                          <p:spTgt spid="398"/>
+                                        </p:tgtEl>
+                                        <p:attrNameLst>
+                                          <p:attrName>style.visibility</p:attrName>
+                                        </p:attrNameLst>
+                                      </p:cBhvr>
+                                      <p:to>
+                                        <p:strVal val="visible"/>
+                                      </p:to>
+                                    </p:set>
+                                    <p:animEffect transition="in" filter="fade">
+                                      <p:cBhvr>
+                                        <p:cTn id="56" dur="500"/>
+                                        <p:tgtEl>
+                                          <p:spTgt spid="398"/>
+                                        </p:tgtEl>
+                                      </p:cBhvr>
+                                    </p:animEffect>
+                                  </p:childTnLst>
+                                </p:cTn>
+                              </p:par>
+                              <p:par>
+                                <p:cTn id="57" presetID="10" presetClass="entr" presetSubtype="0" fill="hold" grpId="0" nodeType="withEffect">
+                                  <p:stCondLst>
+                                    <p:cond delay="0"/>
+                                  </p:stCondLst>
+                                  <p:childTnLst>
+                                    <p:set>
+                                      <p:cBhvr>
+                                        <p:cTn id="58" dur="1" fill="hold">
+                                          <p:stCondLst>
+                                            <p:cond delay="0"/>
+                                          </p:stCondLst>
+                                        </p:cTn>
+                                        <p:tgtEl>
+                                          <p:spTgt spid="11"/>
+                                        </p:tgtEl>
+                                        <p:attrNameLst>
+                                          <p:attrName>style.visibility</p:attrName>
+                                        </p:attrNameLst>
+                                      </p:cBhvr>
+                                      <p:to>
+                                        <p:strVal val="visible"/>
+                                      </p:to>
+                                    </p:set>
+                                    <p:animEffect transition="in" filter="fade">
+                                      <p:cBhvr>
                                         <p:cTn id="59" dur="500"/>
                                         <p:tgtEl>
-                                          <p:spTgt spid="242"/>
+                                          <p:spTgt spid="11"/>
                                         </p:tgtEl>
                                       </p:cBhvr>
                                     </p:animEffect>
@@ -24265,7 +23213,7 @@
                             </p:stCondLst>
                             <p:childTnLst>
                               <p:par>
-                                <p:cTn id="62" presetID="10" presetClass="entr" presetSubtype="0" fill="hold" nodeType="clickEffect">
+                                <p:cTn id="62" presetID="10" presetClass="entr" presetSubtype="0" fill="hold" grpId="0" nodeType="clickEffect">
                                   <p:stCondLst>
                                     <p:cond delay="0"/>
                                   </p:stCondLst>
@@ -24278,7 +23226,7 @@
                                           </p:stCondLst>
                                         </p:cTn>
                                         <p:tgtEl>
-                                          <p:spTgt spid="292"/>
+                                          <p:spTgt spid="405"/>
                                         </p:tgtEl>
                                         <p:attrNameLst>
                                           <p:attrName>style.visibility</p:attrName>
@@ -24292,7 +23240,7 @@
                                       <p:cBhvr>
                                         <p:cTn id="64" dur="500"/>
                                         <p:tgtEl>
-                                          <p:spTgt spid="292"/>
+                                          <p:spTgt spid="405"/>
                                         </p:tgtEl>
                                       </p:cBhvr>
                                     </p:animEffect>
@@ -24300,7 +23248,7 @@
                                 </p:cTn>
                               </p:par>
                               <p:par>
-                                <p:cTn id="65" presetID="10" presetClass="entr" presetSubtype="0" fill="hold" grpId="0" nodeType="withEffect">
+                                <p:cTn id="65" presetID="10" presetClass="entr" presetSubtype="0" fill="hold" nodeType="withEffect">
                                   <p:stCondLst>
                                     <p:cond delay="0"/>
                                   </p:stCondLst>
@@ -24313,7 +23261,7 @@
                                           </p:stCondLst>
                                         </p:cTn>
                                         <p:tgtEl>
-                                          <p:spTgt spid="396"/>
+                                          <p:spTgt spid="399"/>
                                         </p:tgtEl>
                                         <p:attrNameLst>
                                           <p:attrName>style.visibility</p:attrName>
@@ -24327,7 +23275,7 @@
                                       <p:cBhvr>
                                         <p:cTn id="67" dur="500"/>
                                         <p:tgtEl>
-                                          <p:spTgt spid="396"/>
+                                          <p:spTgt spid="399"/>
                                         </p:tgtEl>
                                       </p:cBhvr>
                                     </p:animEffect>
@@ -24348,7 +23296,7 @@
                                           </p:stCondLst>
                                         </p:cTn>
                                         <p:tgtEl>
-                                          <p:spTgt spid="291"/>
+                                          <p:spTgt spid="339"/>
                                         </p:tgtEl>
                                         <p:attrNameLst>
                                           <p:attrName>style.visibility</p:attrName>
@@ -24362,7 +23310,7 @@
                                       <p:cBhvr>
                                         <p:cTn id="70" dur="500"/>
                                         <p:tgtEl>
-                                          <p:spTgt spid="291"/>
+                                          <p:spTgt spid="339"/>
                                         </p:tgtEl>
                                       </p:cBhvr>
                                     </p:animEffect>
@@ -24388,7 +23336,7 @@
                             </p:stCondLst>
                             <p:childTnLst>
                               <p:par>
-                                <p:cTn id="73" presetID="10" presetClass="entr" presetSubtype="0" fill="hold" nodeType="clickEffect">
+                                <p:cTn id="73" presetID="10" presetClass="entr" presetSubtype="0" fill="hold" grpId="0" nodeType="clickEffect">
                                   <p:stCondLst>
                                     <p:cond delay="0"/>
                                   </p:stCondLst>
@@ -24396,252 +23344,6 @@
                                     <p:set>
                                       <p:cBhvr>
                                         <p:cTn id="74" dur="1" fill="hold">
-                                          <p:stCondLst>
-                                            <p:cond delay="0"/>
-                                          </p:stCondLst>
-                                        </p:cTn>
-                                        <p:tgtEl>
-                                          <p:spTgt spid="393"/>
-                                        </p:tgtEl>
-                                        <p:attrNameLst>
-                                          <p:attrName>style.visibility</p:attrName>
-                                        </p:attrNameLst>
-                                      </p:cBhvr>
-                                      <p:to>
-                                        <p:strVal val="visible"/>
-                                      </p:to>
-                                    </p:set>
-                                    <p:animEffect transition="in" filter="fade">
-                                      <p:cBhvr>
-                                        <p:cTn id="75" dur="500"/>
-                                        <p:tgtEl>
-                                          <p:spTgt spid="393"/>
-                                        </p:tgtEl>
-                                      </p:cBhvr>
-                                    </p:animEffect>
-                                  </p:childTnLst>
-                                </p:cTn>
-                              </p:par>
-                              <p:par>
-                                <p:cTn id="76" presetID="10" presetClass="entr" presetSubtype="0" fill="hold" grpId="0" nodeType="withEffect">
-                                  <p:stCondLst>
-                                    <p:cond delay="0"/>
-                                  </p:stCondLst>
-                                  <p:childTnLst>
-                                    <p:set>
-                                      <p:cBhvr>
-                                        <p:cTn id="77" dur="1" fill="hold">
-                                          <p:stCondLst>
-                                            <p:cond delay="0"/>
-                                          </p:stCondLst>
-                                        </p:cTn>
-                                        <p:tgtEl>
-                                          <p:spTgt spid="398"/>
-                                        </p:tgtEl>
-                                        <p:attrNameLst>
-                                          <p:attrName>style.visibility</p:attrName>
-                                        </p:attrNameLst>
-                                      </p:cBhvr>
-                                      <p:to>
-                                        <p:strVal val="visible"/>
-                                      </p:to>
-                                    </p:set>
-                                    <p:animEffect transition="in" filter="fade">
-                                      <p:cBhvr>
-                                        <p:cTn id="78" dur="500"/>
-                                        <p:tgtEl>
-                                          <p:spTgt spid="398"/>
-                                        </p:tgtEl>
-                                      </p:cBhvr>
-                                    </p:animEffect>
-                                  </p:childTnLst>
-                                </p:cTn>
-                              </p:par>
-                              <p:par>
-                                <p:cTn id="79" presetID="10" presetClass="entr" presetSubtype="0" fill="hold" grpId="0" nodeType="withEffect">
-                                  <p:stCondLst>
-                                    <p:cond delay="0"/>
-                                  </p:stCondLst>
-                                  <p:childTnLst>
-                                    <p:set>
-                                      <p:cBhvr>
-                                        <p:cTn id="80" dur="1" fill="hold">
-                                          <p:stCondLst>
-                                            <p:cond delay="0"/>
-                                          </p:stCondLst>
-                                        </p:cTn>
-                                        <p:tgtEl>
-                                          <p:spTgt spid="11"/>
-                                        </p:tgtEl>
-                                        <p:attrNameLst>
-                                          <p:attrName>style.visibility</p:attrName>
-                                        </p:attrNameLst>
-                                      </p:cBhvr>
-                                      <p:to>
-                                        <p:strVal val="visible"/>
-                                      </p:to>
-                                    </p:set>
-                                    <p:animEffect transition="in" filter="fade">
-                                      <p:cBhvr>
-                                        <p:cTn id="81" dur="500"/>
-                                        <p:tgtEl>
-                                          <p:spTgt spid="11"/>
-                                        </p:tgtEl>
-                                      </p:cBhvr>
-                                    </p:animEffect>
-                                  </p:childTnLst>
-                                </p:cTn>
-                              </p:par>
-                            </p:childTnLst>
-                          </p:cTn>
-                        </p:par>
-                      </p:childTnLst>
-                    </p:cTn>
-                  </p:par>
-                  <p:par>
-                    <p:cTn id="82" fill="hold">
-                      <p:stCondLst>
-                        <p:cond delay="indefinite"/>
-                      </p:stCondLst>
-                      <p:childTnLst>
-                        <p:par>
-                          <p:cTn id="83" fill="hold">
-                            <p:stCondLst>
-                              <p:cond delay="0"/>
-                            </p:stCondLst>
-                            <p:childTnLst>
-                              <p:par>
-                                <p:cTn id="84" presetID="10" presetClass="entr" presetSubtype="0" fill="hold" grpId="0" nodeType="clickEffect">
-                                  <p:stCondLst>
-                                    <p:cond delay="0"/>
-                                  </p:stCondLst>
-                                  <p:childTnLst>
-                                    <p:set>
-                                      <p:cBhvr>
-                                        <p:cTn id="85" dur="1" fill="hold">
-                                          <p:stCondLst>
-                                            <p:cond delay="0"/>
-                                          </p:stCondLst>
-                                        </p:cTn>
-                                        <p:tgtEl>
-                                          <p:spTgt spid="405"/>
-                                        </p:tgtEl>
-                                        <p:attrNameLst>
-                                          <p:attrName>style.visibility</p:attrName>
-                                        </p:attrNameLst>
-                                      </p:cBhvr>
-                                      <p:to>
-                                        <p:strVal val="visible"/>
-                                      </p:to>
-                                    </p:set>
-                                    <p:animEffect transition="in" filter="fade">
-                                      <p:cBhvr>
-                                        <p:cTn id="86" dur="500"/>
-                                        <p:tgtEl>
-                                          <p:spTgt spid="405"/>
-                                        </p:tgtEl>
-                                      </p:cBhvr>
-                                    </p:animEffect>
-                                  </p:childTnLst>
-                                </p:cTn>
-                              </p:par>
-                              <p:par>
-                                <p:cTn id="87" presetID="10" presetClass="entr" presetSubtype="0" fill="hold" nodeType="withEffect">
-                                  <p:stCondLst>
-                                    <p:cond delay="0"/>
-                                  </p:stCondLst>
-                                  <p:childTnLst>
-                                    <p:set>
-                                      <p:cBhvr>
-                                        <p:cTn id="88" dur="1" fill="hold">
-                                          <p:stCondLst>
-                                            <p:cond delay="0"/>
-                                          </p:stCondLst>
-                                        </p:cTn>
-                                        <p:tgtEl>
-                                          <p:spTgt spid="399"/>
-                                        </p:tgtEl>
-                                        <p:attrNameLst>
-                                          <p:attrName>style.visibility</p:attrName>
-                                        </p:attrNameLst>
-                                      </p:cBhvr>
-                                      <p:to>
-                                        <p:strVal val="visible"/>
-                                      </p:to>
-                                    </p:set>
-                                    <p:animEffect transition="in" filter="fade">
-                                      <p:cBhvr>
-                                        <p:cTn id="89" dur="500"/>
-                                        <p:tgtEl>
-                                          <p:spTgt spid="399"/>
-                                        </p:tgtEl>
-                                      </p:cBhvr>
-                                    </p:animEffect>
-                                  </p:childTnLst>
-                                </p:cTn>
-                              </p:par>
-                              <p:par>
-                                <p:cTn id="90" presetID="10" presetClass="entr" presetSubtype="0" fill="hold" nodeType="withEffect">
-                                  <p:stCondLst>
-                                    <p:cond delay="0"/>
-                                  </p:stCondLst>
-                                  <p:childTnLst>
-                                    <p:set>
-                                      <p:cBhvr>
-                                        <p:cTn id="91" dur="1" fill="hold">
-                                          <p:stCondLst>
-                                            <p:cond delay="0"/>
-                                          </p:stCondLst>
-                                        </p:cTn>
-                                        <p:tgtEl>
-                                          <p:spTgt spid="339"/>
-                                        </p:tgtEl>
-                                        <p:attrNameLst>
-                                          <p:attrName>style.visibility</p:attrName>
-                                        </p:attrNameLst>
-                                      </p:cBhvr>
-                                      <p:to>
-                                        <p:strVal val="visible"/>
-                                      </p:to>
-                                    </p:set>
-                                    <p:animEffect transition="in" filter="fade">
-                                      <p:cBhvr>
-                                        <p:cTn id="92" dur="500"/>
-                                        <p:tgtEl>
-                                          <p:spTgt spid="339"/>
-                                        </p:tgtEl>
-                                      </p:cBhvr>
-                                    </p:animEffect>
-                                  </p:childTnLst>
-                                </p:cTn>
-                              </p:par>
-                            </p:childTnLst>
-                          </p:cTn>
-                        </p:par>
-                      </p:childTnLst>
-                    </p:cTn>
-                  </p:par>
-                  <p:par>
-                    <p:cTn id="93" fill="hold">
-                      <p:stCondLst>
-                        <p:cond delay="indefinite"/>
-                      </p:stCondLst>
-                      <p:childTnLst>
-                        <p:par>
-                          <p:cTn id="94" fill="hold">
-                            <p:stCondLst>
-                              <p:cond delay="0"/>
-                            </p:stCondLst>
-                            <p:childTnLst>
-                              <p:par>
-                                <p:cTn id="95" presetID="10" presetClass="entr" presetSubtype="0" fill="hold" grpId="0" nodeType="clickEffect">
-                                  <p:stCondLst>
-                                    <p:cond delay="0"/>
-                                  </p:stCondLst>
-                                  <p:childTnLst>
-                                    <p:set>
-                                      <p:cBhvr>
-                                        <p:cTn id="96" dur="1" fill="hold">
                                           <p:stCondLst>
                                             <p:cond delay="0"/>
                                           </p:stCondLst>
@@ -24659,7 +23361,7 @@
                                     </p:set>
                                     <p:animEffect transition="in" filter="fade">
                                       <p:cBhvr>
-                                        <p:cTn id="97" dur="500"/>
+                                        <p:cTn id="75" dur="500"/>
                                         <p:tgtEl>
                                           <p:spTgt spid="406"/>
                                         </p:tgtEl>
@@ -24669,14 +23371,14 @@
                                 </p:cTn>
                               </p:par>
                               <p:par>
-                                <p:cTn id="98" presetID="10" presetClass="entr" presetSubtype="0" fill="hold" nodeType="withEffect">
+                                <p:cTn id="76" presetID="10" presetClass="entr" presetSubtype="0" fill="hold" nodeType="withEffect">
                                   <p:stCondLst>
                                     <p:cond delay="0"/>
                                   </p:stCondLst>
                                   <p:childTnLst>
                                     <p:set>
                                       <p:cBhvr>
-                                        <p:cTn id="99" dur="1" fill="hold">
+                                        <p:cTn id="77" dur="1" fill="hold">
                                           <p:stCondLst>
                                             <p:cond delay="0"/>
                                           </p:stCondLst>
@@ -24694,7 +23396,7 @@
                                     </p:set>
                                     <p:animEffect transition="in" filter="fade">
                                       <p:cBhvr>
-                                        <p:cTn id="100" dur="500"/>
+                                        <p:cTn id="78" dur="500"/>
                                         <p:tgtEl>
                                           <p:spTgt spid="402"/>
                                         </p:tgtEl>
@@ -24704,14 +23406,14 @@
                                 </p:cTn>
                               </p:par>
                               <p:par>
-                                <p:cTn id="101" presetID="10" presetClass="entr" presetSubtype="0" fill="hold" nodeType="withEffect">
+                                <p:cTn id="79" presetID="10" presetClass="entr" presetSubtype="0" fill="hold" nodeType="withEffect">
                                   <p:stCondLst>
                                     <p:cond delay="0"/>
                                   </p:stCondLst>
                                   <p:childTnLst>
                                     <p:set>
                                       <p:cBhvr>
-                                        <p:cTn id="102" dur="1" fill="hold">
+                                        <p:cTn id="80" dur="1" fill="hold">
                                           <p:stCondLst>
                                             <p:cond delay="0"/>
                                           </p:stCondLst>
@@ -24729,7 +23431,7 @@
                                     </p:set>
                                     <p:animEffect transition="in" filter="fade">
                                       <p:cBhvr>
-                                        <p:cTn id="103" dur="500"/>
+                                        <p:cTn id="81" dur="500"/>
                                         <p:tgtEl>
                                           <p:spTgt spid="383"/>
                                         </p:tgtEl>
@@ -24766,12 +23468,9 @@
       </p:par>
     </p:tnLst>
     <p:bldLst>
-      <p:bldP spid="8" grpId="0" animBg="1"/>
       <p:bldP spid="9" grpId="0" animBg="1"/>
       <p:bldP spid="10" grpId="0" animBg="1"/>
       <p:bldP spid="11" grpId="0" animBg="1"/>
-      <p:bldP spid="219" grpId="0"/>
-      <p:bldP spid="220" grpId="0"/>
       <p:bldP spid="245" grpId="0"/>
       <p:bldP spid="246" grpId="0"/>
       <p:bldP spid="247" grpId="0"/>
@@ -26263,7 +24962,7 @@
           <a:p>
             <a:r>
               <a:rPr lang="en-US" sz="2400" dirty="0"/>
-              <a:t>Slides and exercises (+ solutions) of this workshop will be online: </a:t>
+              <a:t>Slides and exercises (+ solutions) of this workshop are available: </a:t>
             </a:r>
             <a:r>
               <a:rPr lang="en-US" sz="2400" dirty="0">
